--- a/Smart Grid Fault Detection and Performance Prediction.pptx
+++ b/Smart Grid Fault Detection and Performance Prediction.pptx
@@ -117,15 +117,12 @@
       </a:defRPr>
     </a:lvl9pPr>
   </p:defaultTextStyle>
+  <p:extLst>
+    <p:ext uri="{EFAFB233-063F-42B5-8137-9DF3F51BA10A}">
+      <p15:sldGuideLst xmlns:p15="http://schemas.microsoft.com/office/powerpoint/2012/main"/>
+    </p:ext>
+  </p:extLst>
 </p:presentation>
-</file>
-
-<file path=ppt/revisionInfo.xml><?xml version="1.0" encoding="utf-8"?>
-<p1510:revInfo xmlns:a="http://schemas.openxmlformats.org/drawingml/2006/main" xmlns:r="http://schemas.openxmlformats.org/officeDocument/2006/relationships" xmlns:p1510="http://schemas.microsoft.com/office/powerpoint/2015/10/main">
-  <p1510:revLst>
-    <p1510:client id="{6EDAAFF9-3F53-4400-87E2-9268E7451758}" v="3" dt="2025-09-10T10:30:49.549"/>
-  </p1510:revLst>
-</p1510:revInfo>
 </file>
 
 <file path=ppt/changesInfos/changesInfo1.xml><?xml version="1.0" encoding="utf-8"?>
@@ -133,7 +130,7 @@
   <pc:docChgLst>
     <pc:chgData name="Vikas Upadhyay" userId="bb4820c5c48b2adc" providerId="LiveId" clId="{F86723F8-0CD3-4E4E-BD01-293D40B20B84}"/>
     <pc:docChg chg="custSel addSld modSld">
-      <pc:chgData name="Vikas Upadhyay" userId="bb4820c5c48b2adc" providerId="LiveId" clId="{F86723F8-0CD3-4E4E-BD01-293D40B20B84}" dt="2025-09-10T10:30:54.043" v="62" actId="14100"/>
+      <pc:chgData name="Vikas Upadhyay" userId="bb4820c5c48b2adc" providerId="LiveId" clId="{F86723F8-0CD3-4E4E-BD01-293D40B20B84}" dt="2025-10-01T07:20:40.317" v="70" actId="14100"/>
       <pc:docMkLst>
         <pc:docMk/>
       </pc:docMkLst>
@@ -205,14 +202,6 @@
             <ac:spMk id="3" creationId="{89C77B3D-302E-0DEE-462E-C94C7F69BC62}"/>
           </ac:spMkLst>
         </pc:spChg>
-        <pc:picChg chg="del mod">
-          <ac:chgData name="Vikas Upadhyay" userId="bb4820c5c48b2adc" providerId="LiveId" clId="{F86723F8-0CD3-4E4E-BD01-293D40B20B84}" dt="2025-09-10T10:30:46.554" v="60" actId="21"/>
-          <ac:picMkLst>
-            <pc:docMk/>
-            <pc:sldMk cId="2719288220" sldId="258"/>
-            <ac:picMk id="4" creationId="{6D48F329-A358-F038-9195-1FB935C9D77C}"/>
-          </ac:picMkLst>
-        </pc:picChg>
       </pc:sldChg>
       <pc:sldChg chg="modSp mod">
         <pc:chgData name="Vikas Upadhyay" userId="bb4820c5c48b2adc" providerId="LiveId" clId="{F86723F8-0CD3-4E4E-BD01-293D40B20B84}" dt="2025-09-10T10:20:53.911" v="29" actId="1076"/>
@@ -245,8 +234,8 @@
           </ac:picMkLst>
         </pc:picChg>
       </pc:sldChg>
-      <pc:sldChg chg="modSp mod">
-        <pc:chgData name="Vikas Upadhyay" userId="bb4820c5c48b2adc" providerId="LiveId" clId="{F86723F8-0CD3-4E4E-BD01-293D40B20B84}" dt="2025-09-10T10:21:51.460" v="37" actId="1076"/>
+      <pc:sldChg chg="addSp delSp modSp mod">
+        <pc:chgData name="Vikas Upadhyay" userId="bb4820c5c48b2adc" providerId="LiveId" clId="{F86723F8-0CD3-4E4E-BD01-293D40B20B84}" dt="2025-10-01T07:20:40.317" v="70" actId="14100"/>
         <pc:sldMkLst>
           <pc:docMk/>
           <pc:sldMk cId="3029112783" sldId="261"/>
@@ -275,8 +264,16 @@
             <ac:picMk id="5" creationId="{E771CDD7-B9F4-062F-579C-F06583F3E5FA}"/>
           </ac:picMkLst>
         </pc:picChg>
-        <pc:picChg chg="mod">
-          <ac:chgData name="Vikas Upadhyay" userId="bb4820c5c48b2adc" providerId="LiveId" clId="{F86723F8-0CD3-4E4E-BD01-293D40B20B84}" dt="2025-09-10T10:21:51.460" v="37" actId="1076"/>
+        <pc:picChg chg="add mod">
+          <ac:chgData name="Vikas Upadhyay" userId="bb4820c5c48b2adc" providerId="LiveId" clId="{F86723F8-0CD3-4E4E-BD01-293D40B20B84}" dt="2025-10-01T07:20:40.317" v="70" actId="14100"/>
+          <ac:picMkLst>
+            <pc:docMk/>
+            <pc:sldMk cId="3029112783" sldId="261"/>
+            <ac:picMk id="6" creationId="{D0F384FE-3929-0DA7-A14E-EC2BEB402300}"/>
+          </ac:picMkLst>
+        </pc:picChg>
+        <pc:picChg chg="del mod">
+          <ac:chgData name="Vikas Upadhyay" userId="bb4820c5c48b2adc" providerId="LiveId" clId="{F86723F8-0CD3-4E4E-BD01-293D40B20B84}" dt="2025-10-01T07:20:27.670" v="66" actId="478"/>
           <ac:picMkLst>
             <pc:docMk/>
             <pc:sldMk cId="3029112783" sldId="261"/>
@@ -522,14 +519,6 @@
             <ac:spMk id="2" creationId="{022E0F74-9401-3404-D5B5-BEE5869FA4CF}"/>
           </ac:spMkLst>
         </pc:spChg>
-        <pc:spChg chg="del">
-          <ac:chgData name="Vikas Upadhyay" userId="bb4820c5c48b2adc" providerId="LiveId" clId="{F86723F8-0CD3-4E4E-BD01-293D40B20B84}" dt="2025-09-10T10:30:49.549" v="61"/>
-          <ac:spMkLst>
-            <pc:docMk/>
-            <pc:sldMk cId="3804970985" sldId="270"/>
-            <ac:spMk id="3" creationId="{E90C11D8-DD1C-BBCD-DFCC-B15705DE2E55}"/>
-          </ac:spMkLst>
-        </pc:spChg>
         <pc:picChg chg="add mod">
           <ac:chgData name="Vikas Upadhyay" userId="bb4820c5c48b2adc" providerId="LiveId" clId="{F86723F8-0CD3-4E4E-BD01-293D40B20B84}" dt="2025-09-10T10:30:54.043" v="62" actId="14100"/>
           <ac:picMkLst>
@@ -879,7 +868,7 @@
           <a:p>
             <a:fld id="{8A8BD6A6-C902-4AAD-9EA5-A2769B19CAEE}" type="datetimeFigureOut">
               <a:rPr lang="en-IN" smtClean="0"/>
-              <a:t>10-09-2025</a:t>
+              <a:t>01-10-2025</a:t>
             </a:fld>
             <a:endParaRPr lang="en-IN"/>
           </a:p>
@@ -1967,7 +1956,7 @@
           <a:p>
             <a:fld id="{8A8BD6A6-C902-4AAD-9EA5-A2769B19CAEE}" type="datetimeFigureOut">
               <a:rPr lang="en-IN" smtClean="0"/>
-              <a:t>10-09-2025</a:t>
+              <a:t>01-10-2025</a:t>
             </a:fld>
             <a:endParaRPr lang="en-IN"/>
           </a:p>
@@ -2947,7 +2936,7 @@
           <a:p>
             <a:fld id="{8A8BD6A6-C902-4AAD-9EA5-A2769B19CAEE}" type="datetimeFigureOut">
               <a:rPr lang="en-IN" smtClean="0"/>
-              <a:t>10-09-2025</a:t>
+              <a:t>01-10-2025</a:t>
             </a:fld>
             <a:endParaRPr lang="en-IN"/>
           </a:p>
@@ -4081,7 +4070,7 @@
           <a:p>
             <a:fld id="{8A8BD6A6-C902-4AAD-9EA5-A2769B19CAEE}" type="datetimeFigureOut">
               <a:rPr lang="en-IN" smtClean="0"/>
-              <a:t>10-09-2025</a:t>
+              <a:t>01-10-2025</a:t>
             </a:fld>
             <a:endParaRPr lang="en-IN"/>
           </a:p>
@@ -5114,7 +5103,7 @@
           <a:p>
             <a:fld id="{8A8BD6A6-C902-4AAD-9EA5-A2769B19CAEE}" type="datetimeFigureOut">
               <a:rPr lang="en-IN" smtClean="0"/>
-              <a:t>10-09-2025</a:t>
+              <a:t>01-10-2025</a:t>
             </a:fld>
             <a:endParaRPr lang="en-IN"/>
           </a:p>
@@ -5774,7 +5763,7 @@
           <a:p>
             <a:fld id="{8A8BD6A6-C902-4AAD-9EA5-A2769B19CAEE}" type="datetimeFigureOut">
               <a:rPr lang="en-IN" smtClean="0"/>
-              <a:t>10-09-2025</a:t>
+              <a:t>01-10-2025</a:t>
             </a:fld>
             <a:endParaRPr lang="en-IN"/>
           </a:p>
@@ -6635,7 +6624,7 @@
           <a:p>
             <a:fld id="{8A8BD6A6-C902-4AAD-9EA5-A2769B19CAEE}" type="datetimeFigureOut">
               <a:rPr lang="en-IN" smtClean="0"/>
-              <a:t>10-09-2025</a:t>
+              <a:t>01-10-2025</a:t>
             </a:fld>
             <a:endParaRPr lang="en-IN"/>
           </a:p>
@@ -6825,7 +6814,7 @@
           <a:p>
             <a:fld id="{8A8BD6A6-C902-4AAD-9EA5-A2769B19CAEE}" type="datetimeFigureOut">
               <a:rPr lang="en-IN" smtClean="0"/>
-              <a:t>10-09-2025</a:t>
+              <a:t>01-10-2025</a:t>
             </a:fld>
             <a:endParaRPr lang="en-IN"/>
           </a:p>
@@ -7797,7 +7786,7 @@
           <a:p>
             <a:fld id="{8A8BD6A6-C902-4AAD-9EA5-A2769B19CAEE}" type="datetimeFigureOut">
               <a:rPr lang="en-IN" smtClean="0"/>
-              <a:t>10-09-2025</a:t>
+              <a:t>01-10-2025</a:t>
             </a:fld>
             <a:endParaRPr lang="en-IN"/>
           </a:p>
@@ -8008,7 +7997,7 @@
           <a:p>
             <a:fld id="{8A8BD6A6-C902-4AAD-9EA5-A2769B19CAEE}" type="datetimeFigureOut">
               <a:rPr lang="en-IN" smtClean="0"/>
-              <a:t>10-09-2025</a:t>
+              <a:t>01-10-2025</a:t>
             </a:fld>
             <a:endParaRPr lang="en-IN"/>
           </a:p>
@@ -9042,7 +9031,7 @@
           <a:p>
             <a:fld id="{8A8BD6A6-C902-4AAD-9EA5-A2769B19CAEE}" type="datetimeFigureOut">
               <a:rPr lang="en-IN" smtClean="0"/>
-              <a:t>10-09-2025</a:t>
+              <a:t>01-10-2025</a:t>
             </a:fld>
             <a:endParaRPr lang="en-IN"/>
           </a:p>
@@ -9314,7 +9303,7 @@
           <a:p>
             <a:fld id="{8A8BD6A6-C902-4AAD-9EA5-A2769B19CAEE}" type="datetimeFigureOut">
               <a:rPr lang="en-IN" smtClean="0"/>
-              <a:t>10-09-2025</a:t>
+              <a:t>01-10-2025</a:t>
             </a:fld>
             <a:endParaRPr lang="en-IN"/>
           </a:p>
@@ -9724,7 +9713,7 @@
           <a:p>
             <a:fld id="{8A8BD6A6-C902-4AAD-9EA5-A2769B19CAEE}" type="datetimeFigureOut">
               <a:rPr lang="en-IN" smtClean="0"/>
-              <a:t>10-09-2025</a:t>
+              <a:t>01-10-2025</a:t>
             </a:fld>
             <a:endParaRPr lang="en-IN"/>
           </a:p>
@@ -9851,7 +9840,7 @@
           <a:p>
             <a:fld id="{8A8BD6A6-C902-4AAD-9EA5-A2769B19CAEE}" type="datetimeFigureOut">
               <a:rPr lang="en-IN" smtClean="0"/>
-              <a:t>10-09-2025</a:t>
+              <a:t>01-10-2025</a:t>
             </a:fld>
             <a:endParaRPr lang="en-IN"/>
           </a:p>
@@ -9946,7 +9935,7 @@
           <a:p>
             <a:fld id="{8A8BD6A6-C902-4AAD-9EA5-A2769B19CAEE}" type="datetimeFigureOut">
               <a:rPr lang="en-IN" smtClean="0"/>
-              <a:t>10-09-2025</a:t>
+              <a:t>01-10-2025</a:t>
             </a:fld>
             <a:endParaRPr lang="en-IN"/>
           </a:p>
@@ -11027,7 +11016,7 @@
           <a:p>
             <a:fld id="{8A8BD6A6-C902-4AAD-9EA5-A2769B19CAEE}" type="datetimeFigureOut">
               <a:rPr lang="en-IN" smtClean="0"/>
-              <a:t>10-09-2025</a:t>
+              <a:t>01-10-2025</a:t>
             </a:fld>
             <a:endParaRPr lang="en-IN"/>
           </a:p>
@@ -12135,7 +12124,7 @@
           <a:p>
             <a:fld id="{8A8BD6A6-C902-4AAD-9EA5-A2769B19CAEE}" type="datetimeFigureOut">
               <a:rPr lang="en-IN" smtClean="0"/>
-              <a:t>10-09-2025</a:t>
+              <a:t>01-10-2025</a:t>
             </a:fld>
             <a:endParaRPr lang="en-IN"/>
           </a:p>
@@ -13132,7 +13121,7 @@
           <a:p>
             <a:fld id="{8A8BD6A6-C902-4AAD-9EA5-A2769B19CAEE}" type="datetimeFigureOut">
               <a:rPr lang="en-IN" smtClean="0"/>
-              <a:t>10-09-2025</a:t>
+              <a:t>01-10-2025</a:t>
             </a:fld>
             <a:endParaRPr lang="en-IN"/>
           </a:p>
@@ -15174,10 +15163,10 @@
       </p:pic>
       <p:pic>
         <p:nvPicPr>
-          <p:cNvPr id="7" name="Picture 6">
+          <p:cNvPr id="9" name="Picture 8">
             <a:extLst>
               <a:ext uri="{FF2B5EF4-FFF2-40B4-BE49-F238E27FC236}">
-                <a16:creationId xmlns:a16="http://schemas.microsoft.com/office/drawing/2014/main" id="{462FE5FB-F48B-787D-30F0-1DFAA53E0852}"/>
+                <a16:creationId xmlns:a16="http://schemas.microsoft.com/office/drawing/2014/main" id="{BA92EAF6-A906-715C-B0D8-C2DA07724717}"/>
               </a:ext>
             </a:extLst>
           </p:cNvPr>
@@ -15194,8 +15183,8 @@
         </p:blipFill>
         <p:spPr>
           <a:xfrm>
-            <a:off x="4668992" y="4688382"/>
-            <a:ext cx="2854016" cy="1992261"/>
+            <a:off x="1014812" y="4728965"/>
+            <a:ext cx="3406920" cy="1911096"/>
           </a:xfrm>
           <a:prstGeom prst="rect">
             <a:avLst/>
@@ -15204,10 +15193,10 @@
       </p:pic>
       <p:pic>
         <p:nvPicPr>
-          <p:cNvPr id="9" name="Picture 8">
+          <p:cNvPr id="6" name="Picture 5">
             <a:extLst>
               <a:ext uri="{FF2B5EF4-FFF2-40B4-BE49-F238E27FC236}">
-                <a16:creationId xmlns:a16="http://schemas.microsoft.com/office/drawing/2014/main" id="{BA92EAF6-A906-715C-B0D8-C2DA07724717}"/>
+                <a16:creationId xmlns:a16="http://schemas.microsoft.com/office/drawing/2014/main" id="{D0F384FE-3929-0DA7-A14E-EC2BEB402300}"/>
               </a:ext>
             </a:extLst>
           </p:cNvPr>
@@ -15224,8 +15213,8 @@
         </p:blipFill>
         <p:spPr>
           <a:xfrm>
-            <a:off x="1014812" y="4728965"/>
-            <a:ext cx="3406920" cy="1911096"/>
+            <a:off x="4607862" y="4770360"/>
+            <a:ext cx="3283410" cy="1884293"/>
           </a:xfrm>
           <a:prstGeom prst="rect">
             <a:avLst/>
